--- a/Cloning/CloningCs/Resources/CloneSource.pptx
+++ b/Cloning/CloningCs/Resources/CloneSource.pptx
@@ -113,6 +113,10 @@
 </p:presentation>
 </file>
 
+<file path=ppt/revisionInfo.xml><?xml version="1.0" encoding="utf-8"?>
+<p1510:revInfo xmlns:a="http://schemas.openxmlformats.org/drawingml/2006/main" xmlns:r="http://schemas.openxmlformats.org/officeDocument/2006/relationships" xmlns:p1510="http://schemas.microsoft.com/office/powerpoint/2015/10/main"/>
+</file>
+
 <file path=ppt/slideLayouts/slideLayout1.xml><?xml version="1.0" encoding="utf-8"?>
 <p:sldLayout xmlns:a="http://schemas.openxmlformats.org/drawingml/2006/main" xmlns:r="http://schemas.openxmlformats.org/officeDocument/2006/relationships" xmlns:p="http://schemas.openxmlformats.org/presentationml/2006/main" type="title" preserve="1">
   <p:cSld name="Title Slide">
@@ -242,7 +246,7 @@
           <a:p>
             <a:fld id="{54F69D50-A99E-4C7B-B353-8E437170B457}" type="datetimeFigureOut">
               <a:rPr lang="en-US" smtClean="0"/>
-              <a:t>4/11/2017</a:t>
+              <a:t>11/14/2017</a:t>
             </a:fld>
             <a:endParaRPr lang="en-US"/>
           </a:p>
@@ -410,7 +414,7 @@
           <a:p>
             <a:fld id="{54F69D50-A99E-4C7B-B353-8E437170B457}" type="datetimeFigureOut">
               <a:rPr lang="en-US" smtClean="0"/>
-              <a:t>4/11/2017</a:t>
+              <a:t>11/14/2017</a:t>
             </a:fld>
             <a:endParaRPr lang="en-US"/>
           </a:p>
@@ -588,7 +592,7 @@
           <a:p>
             <a:fld id="{54F69D50-A99E-4C7B-B353-8E437170B457}" type="datetimeFigureOut">
               <a:rPr lang="en-US" smtClean="0"/>
-              <a:t>4/11/2017</a:t>
+              <a:t>11/14/2017</a:t>
             </a:fld>
             <a:endParaRPr lang="en-US"/>
           </a:p>
@@ -786,7 +790,7 @@
           <a:p>
             <a:fld id="{54F69D50-A99E-4C7B-B353-8E437170B457}" type="datetimeFigureOut">
               <a:rPr lang="en-US" smtClean="0"/>
-              <a:t>4/11/2017</a:t>
+              <a:t>11/14/2017</a:t>
             </a:fld>
             <a:endParaRPr lang="en-US"/>
           </a:p>
@@ -1031,7 +1035,7 @@
           <a:p>
             <a:fld id="{54F69D50-A99E-4C7B-B353-8E437170B457}" type="datetimeFigureOut">
               <a:rPr lang="en-US" smtClean="0"/>
-              <a:t>4/11/2017</a:t>
+              <a:t>11/14/2017</a:t>
             </a:fld>
             <a:endParaRPr lang="en-US"/>
           </a:p>
@@ -1260,7 +1264,7 @@
           <a:p>
             <a:fld id="{54F69D50-A99E-4C7B-B353-8E437170B457}" type="datetimeFigureOut">
               <a:rPr lang="en-US" smtClean="0"/>
-              <a:t>4/11/2017</a:t>
+              <a:t>11/14/2017</a:t>
             </a:fld>
             <a:endParaRPr lang="en-US"/>
           </a:p>
@@ -1624,7 +1628,7 @@
           <a:p>
             <a:fld id="{54F69D50-A99E-4C7B-B353-8E437170B457}" type="datetimeFigureOut">
               <a:rPr lang="en-US" smtClean="0"/>
-              <a:t>4/11/2017</a:t>
+              <a:t>11/14/2017</a:t>
             </a:fld>
             <a:endParaRPr lang="en-US"/>
           </a:p>
@@ -1741,7 +1745,7 @@
           <a:p>
             <a:fld id="{54F69D50-A99E-4C7B-B353-8E437170B457}" type="datetimeFigureOut">
               <a:rPr lang="en-US" smtClean="0"/>
-              <a:t>4/11/2017</a:t>
+              <a:t>11/14/2017</a:t>
             </a:fld>
             <a:endParaRPr lang="en-US"/>
           </a:p>
@@ -1836,7 +1840,7 @@
           <a:p>
             <a:fld id="{54F69D50-A99E-4C7B-B353-8E437170B457}" type="datetimeFigureOut">
               <a:rPr lang="en-US" smtClean="0"/>
-              <a:t>4/11/2017</a:t>
+              <a:t>11/14/2017</a:t>
             </a:fld>
             <a:endParaRPr lang="en-US"/>
           </a:p>
@@ -2111,7 +2115,7 @@
           <a:p>
             <a:fld id="{54F69D50-A99E-4C7B-B353-8E437170B457}" type="datetimeFigureOut">
               <a:rPr lang="en-US" smtClean="0"/>
-              <a:t>4/11/2017</a:t>
+              <a:t>11/14/2017</a:t>
             </a:fld>
             <a:endParaRPr lang="en-US"/>
           </a:p>
@@ -2363,7 +2367,7 @@
           <a:p>
             <a:fld id="{54F69D50-A99E-4C7B-B353-8E437170B457}" type="datetimeFigureOut">
               <a:rPr lang="en-US" smtClean="0"/>
-              <a:t>4/11/2017</a:t>
+              <a:t>11/14/2017</a:t>
             </a:fld>
             <a:endParaRPr lang="en-US"/>
           </a:p>
@@ -2574,7 +2578,7 @@
           <a:p>
             <a:fld id="{54F69D50-A99E-4C7B-B353-8E437170B457}" type="datetimeFigureOut">
               <a:rPr lang="en-US" smtClean="0"/>
-              <a:t>4/11/2017</a:t>
+              <a:t>11/14/2017</a:t>
             </a:fld>
             <a:endParaRPr lang="en-US"/>
           </a:p>
@@ -3025,42 +3029,12 @@
           </a:p>
         </p:txBody>
       </p:sp>
-      <p:pic>
-        <p:nvPicPr>
-          <p:cNvPr id="4" name="Picture 3"/>
-          <p:cNvPicPr>
-            <a:picLocks noChangeAspect="1"/>
-          </p:cNvPicPr>
-          <p:nvPr/>
-        </p:nvPicPr>
-        <p:blipFill>
-          <a:blip r:embed="rId3">
-            <a:extLst>
-              <a:ext uri="{28A0092B-C50C-407E-A947-70E740481C1C}">
-                <a14:useLocalDpi xmlns:a14="http://schemas.microsoft.com/office/drawing/2010/main" val="0"/>
-              </a:ext>
-            </a:extLst>
-          </a:blip>
-          <a:stretch>
-            <a:fillRect/>
-          </a:stretch>
-        </p:blipFill>
-        <p:spPr>
-          <a:xfrm>
-            <a:off x="9669275" y="5045255"/>
-            <a:ext cx="1399036" cy="1076182"/>
-          </a:xfrm>
-          <a:prstGeom prst="rect">
-            <a:avLst/>
-          </a:prstGeom>
-        </p:spPr>
-      </p:pic>
       <p:cxnSp>
         <p:nvCxnSpPr>
           <p:cNvPr id="6" name="Straight Connector 5"/>
           <p:cNvCxnSpPr>
+            <a:cxnSpLocks/>
             <a:stCxn id="2" idx="2"/>
-            <a:endCxn id="4" idx="0"/>
           </p:cNvCxnSpPr>
           <p:nvPr/>
         </p:nvCxnSpPr>
@@ -3258,6 +3232,42 @@
           </a:graphicData>
         </a:graphic>
       </p:graphicFrame>
+      <p:pic>
+        <p:nvPicPr>
+          <p:cNvPr id="5" name="Picture 4">
+            <a:extLst>
+              <a:ext uri="{FF2B5EF4-FFF2-40B4-BE49-F238E27FC236}">
+                <a16:creationId xmlns:a16="http://schemas.microsoft.com/office/drawing/2014/main" id="{9D347252-DA25-4C54-A5ED-C9F0B5672D36}"/>
+              </a:ext>
+            </a:extLst>
+          </p:cNvPr>
+          <p:cNvPicPr>
+            <a:picLocks noChangeAspect="1"/>
+          </p:cNvPicPr>
+          <p:nvPr/>
+        </p:nvPicPr>
+        <p:blipFill>
+          <a:blip r:embed="rId3">
+            <a:extLst>
+              <a:ext uri="{28A0092B-C50C-407E-A947-70E740481C1C}">
+                <a14:useLocalDpi xmlns:a14="http://schemas.microsoft.com/office/drawing/2010/main" val="0"/>
+              </a:ext>
+            </a:extLst>
+          </a:blip>
+          <a:stretch>
+            <a:fillRect/>
+          </a:stretch>
+        </p:blipFill>
+        <p:spPr>
+          <a:xfrm>
+            <a:off x="10053856" y="5268409"/>
+            <a:ext cx="629874" cy="629874"/>
+          </a:xfrm>
+          <a:prstGeom prst="rect">
+            <a:avLst/>
+          </a:prstGeom>
+        </p:spPr>
+      </p:pic>
     </p:spTree>
     <p:extLst>
       <p:ext uri="{BB962C8B-B14F-4D97-AF65-F5344CB8AC3E}">
